--- a/sourcesFiles/logo.pptx
+++ b/sourcesFiles/logo.pptx
@@ -5,10 +5,12 @@
     <p:sldMasterId id="2147483648" r:id="rId1"/>
   </p:sldMasterIdLst>
   <p:notesMasterIdLst>
-    <p:notesMasterId r:id="rId3"/>
+    <p:notesMasterId r:id="rId5"/>
   </p:notesMasterIdLst>
   <p:sldIdLst>
     <p:sldId id="256" r:id="rId2"/>
+    <p:sldId id="257" r:id="rId3"/>
+    <p:sldId id="258" r:id="rId4"/>
   </p:sldIdLst>
   <p:sldSz cx="12192000" cy="6858000"/>
   <p:notesSz cx="6858000" cy="9144000"/>
@@ -120,7 +122,7 @@
             <a:srgbClr val="A4A3A4"/>
           </p15:clr>
         </p15:guide>
-        <p15:guide id="3" orient="horz" pos="1956" userDrawn="1">
+        <p15:guide id="3" orient="horz" pos="1366" userDrawn="1">
           <p15:clr>
             <a:srgbClr val="A4A3A4"/>
           </p15:clr>
@@ -129,6 +131,18 @@
     </p:ext>
   </p:extLst>
 </p:presentation>
+</file>
+
+<file path=ppt/commentAuthors.xml><?xml version="1.0" encoding="utf-8"?>
+<p:cmAuthorLst xmlns:a="http://schemas.openxmlformats.org/drawingml/2006/main" xmlns:r="http://schemas.openxmlformats.org/officeDocument/2006/relationships" xmlns:p="http://schemas.openxmlformats.org/presentationml/2006/main">
+  <p:cmAuthor id="1" name="Yuchi Chu" initials="YC" lastIdx="1" clrIdx="0">
+    <p:extLst>
+      <p:ext uri="{19B8F6BF-5375-455C-9EA6-DF929625EA0E}">
+        <p15:presenceInfo xmlns:p15="http://schemas.microsoft.com/office/powerpoint/2012/main" userId="Yuchi Chu" providerId="None"/>
+      </p:ext>
+    </p:extLst>
+  </p:cmAuthor>
+</p:cmAuthorLst>
 </file>
 
 <file path=ppt/notesMasters/notesMaster1.xml><?xml version="1.0" encoding="utf-8"?>
@@ -213,7 +227,7 @@
           <a:p>
             <a:fld id="{82B4DF89-95BD-4094-BD37-5A596A9F34A7}" type="datetimeFigureOut">
               <a:rPr lang="zh-TW" altLang="en-US" smtClean="0"/>
-              <a:t>2025/6/27</a:t>
+              <a:t>2025/6/30</a:t>
             </a:fld>
             <a:endParaRPr lang="zh-TW" altLang="en-US"/>
           </a:p>
@@ -627,7 +641,7 @@
           <a:p>
             <a:fld id="{AFF420E4-E74B-4594-9B47-5DECFE4E70BA}" type="datetimeFigureOut">
               <a:rPr lang="zh-TW" altLang="en-US" smtClean="0"/>
-              <a:t>2025/6/27</a:t>
+              <a:t>2025/6/30</a:t>
             </a:fld>
             <a:endParaRPr lang="zh-TW" altLang="en-US"/>
           </a:p>
@@ -825,7 +839,7 @@
           <a:p>
             <a:fld id="{AFF420E4-E74B-4594-9B47-5DECFE4E70BA}" type="datetimeFigureOut">
               <a:rPr lang="zh-TW" altLang="en-US" smtClean="0"/>
-              <a:t>2025/6/27</a:t>
+              <a:t>2025/6/30</a:t>
             </a:fld>
             <a:endParaRPr lang="zh-TW" altLang="en-US"/>
           </a:p>
@@ -1033,7 +1047,7 @@
           <a:p>
             <a:fld id="{AFF420E4-E74B-4594-9B47-5DECFE4E70BA}" type="datetimeFigureOut">
               <a:rPr lang="zh-TW" altLang="en-US" smtClean="0"/>
-              <a:t>2025/6/27</a:t>
+              <a:t>2025/6/30</a:t>
             </a:fld>
             <a:endParaRPr lang="zh-TW" altLang="en-US"/>
           </a:p>
@@ -1231,7 +1245,7 @@
           <a:p>
             <a:fld id="{AFF420E4-E74B-4594-9B47-5DECFE4E70BA}" type="datetimeFigureOut">
               <a:rPr lang="zh-TW" altLang="en-US" smtClean="0"/>
-              <a:t>2025/6/27</a:t>
+              <a:t>2025/6/30</a:t>
             </a:fld>
             <a:endParaRPr lang="zh-TW" altLang="en-US"/>
           </a:p>
@@ -1506,7 +1520,7 @@
           <a:p>
             <a:fld id="{AFF420E4-E74B-4594-9B47-5DECFE4E70BA}" type="datetimeFigureOut">
               <a:rPr lang="zh-TW" altLang="en-US" smtClean="0"/>
-              <a:t>2025/6/27</a:t>
+              <a:t>2025/6/30</a:t>
             </a:fld>
             <a:endParaRPr lang="zh-TW" altLang="en-US"/>
           </a:p>
@@ -1771,7 +1785,7 @@
           <a:p>
             <a:fld id="{AFF420E4-E74B-4594-9B47-5DECFE4E70BA}" type="datetimeFigureOut">
               <a:rPr lang="zh-TW" altLang="en-US" smtClean="0"/>
-              <a:t>2025/6/27</a:t>
+              <a:t>2025/6/30</a:t>
             </a:fld>
             <a:endParaRPr lang="zh-TW" altLang="en-US"/>
           </a:p>
@@ -2183,7 +2197,7 @@
           <a:p>
             <a:fld id="{AFF420E4-E74B-4594-9B47-5DECFE4E70BA}" type="datetimeFigureOut">
               <a:rPr lang="zh-TW" altLang="en-US" smtClean="0"/>
-              <a:t>2025/6/27</a:t>
+              <a:t>2025/6/30</a:t>
             </a:fld>
             <a:endParaRPr lang="zh-TW" altLang="en-US"/>
           </a:p>
@@ -2324,7 +2338,7 @@
           <a:p>
             <a:fld id="{AFF420E4-E74B-4594-9B47-5DECFE4E70BA}" type="datetimeFigureOut">
               <a:rPr lang="zh-TW" altLang="en-US" smtClean="0"/>
-              <a:t>2025/6/27</a:t>
+              <a:t>2025/6/30</a:t>
             </a:fld>
             <a:endParaRPr lang="zh-TW" altLang="en-US"/>
           </a:p>
@@ -2437,7 +2451,7 @@
           <a:p>
             <a:fld id="{AFF420E4-E74B-4594-9B47-5DECFE4E70BA}" type="datetimeFigureOut">
               <a:rPr lang="zh-TW" altLang="en-US" smtClean="0"/>
-              <a:t>2025/6/27</a:t>
+              <a:t>2025/6/30</a:t>
             </a:fld>
             <a:endParaRPr lang="zh-TW" altLang="en-US"/>
           </a:p>
@@ -2748,7 +2762,7 @@
           <a:p>
             <a:fld id="{AFF420E4-E74B-4594-9B47-5DECFE4E70BA}" type="datetimeFigureOut">
               <a:rPr lang="zh-TW" altLang="en-US" smtClean="0"/>
-              <a:t>2025/6/27</a:t>
+              <a:t>2025/6/30</a:t>
             </a:fld>
             <a:endParaRPr lang="zh-TW" altLang="en-US"/>
           </a:p>
@@ -3036,7 +3050,7 @@
           <a:p>
             <a:fld id="{AFF420E4-E74B-4594-9B47-5DECFE4E70BA}" type="datetimeFigureOut">
               <a:rPr lang="zh-TW" altLang="en-US" smtClean="0"/>
-              <a:t>2025/6/27</a:t>
+              <a:t>2025/6/30</a:t>
             </a:fld>
             <a:endParaRPr lang="zh-TW" altLang="en-US"/>
           </a:p>
@@ -3277,7 +3291,7 @@
           <a:p>
             <a:fld id="{AFF420E4-E74B-4594-9B47-5DECFE4E70BA}" type="datetimeFigureOut">
               <a:rPr lang="zh-TW" altLang="en-US" smtClean="0"/>
-              <a:t>2025/6/27</a:t>
+              <a:t>2025/6/30</a:t>
             </a:fld>
             <a:endParaRPr lang="zh-TW" altLang="en-US"/>
           </a:p>
@@ -3953,6 +3967,834 @@
     <p:extLst>
       <p:ext uri="{BB962C8B-B14F-4D97-AF65-F5344CB8AC3E}">
         <p14:creationId xmlns:p14="http://schemas.microsoft.com/office/powerpoint/2010/main" val="3142475430"/>
+      </p:ext>
+    </p:extLst>
+  </p:cSld>
+  <p:clrMapOvr>
+    <a:masterClrMapping/>
+  </p:clrMapOvr>
+</p:sld>
+</file>
+
+<file path=ppt/slides/slide2.xml><?xml version="1.0" encoding="utf-8"?>
+<p:sld xmlns:a="http://schemas.openxmlformats.org/drawingml/2006/main" xmlns:r="http://schemas.openxmlformats.org/officeDocument/2006/relationships" xmlns:p="http://schemas.openxmlformats.org/presentationml/2006/main">
+  <p:cSld>
+    <p:spTree>
+      <p:nvGrpSpPr>
+        <p:cNvPr id="1" name=""/>
+        <p:cNvGrpSpPr/>
+        <p:nvPr/>
+      </p:nvGrpSpPr>
+      <p:grpSpPr>
+        <a:xfrm>
+          <a:off x="0" y="0"/>
+          <a:ext cx="0" cy="0"/>
+          <a:chOff x="0" y="0"/>
+          <a:chExt cx="0" cy="0"/>
+        </a:xfrm>
+      </p:grpSpPr>
+      <p:sp>
+        <p:nvSpPr>
+          <p:cNvPr id="2" name="矩形 1">
+            <a:extLst>
+              <a:ext uri="{FF2B5EF4-FFF2-40B4-BE49-F238E27FC236}">
+                <a16:creationId xmlns:a16="http://schemas.microsoft.com/office/drawing/2014/main" id="{A707CC87-30D2-440F-A975-6323957EA402}"/>
+              </a:ext>
+            </a:extLst>
+          </p:cNvPr>
+          <p:cNvSpPr/>
+          <p:nvPr/>
+        </p:nvSpPr>
+        <p:spPr>
+          <a:xfrm>
+            <a:off x="1140473" y="2155935"/>
+            <a:ext cx="2527288" cy="2537985"/>
+          </a:xfrm>
+          <a:prstGeom prst="rect">
+            <a:avLst/>
+          </a:prstGeom>
+          <a:solidFill>
+            <a:srgbClr val="002147"/>
+          </a:solidFill>
+          <a:ln>
+            <a:noFill/>
+          </a:ln>
+        </p:spPr>
+        <p:style>
+          <a:lnRef idx="2">
+            <a:schemeClr val="accent1">
+              <a:shade val="50000"/>
+            </a:schemeClr>
+          </a:lnRef>
+          <a:fillRef idx="1">
+            <a:schemeClr val="accent1"/>
+          </a:fillRef>
+          <a:effectRef idx="0">
+            <a:schemeClr val="accent1"/>
+          </a:effectRef>
+          <a:fontRef idx="minor">
+            <a:schemeClr val="lt1"/>
+          </a:fontRef>
+        </p:style>
+        <p:txBody>
+          <a:bodyPr rtlCol="0" anchor="ctr"/>
+          <a:lstStyle/>
+          <a:p>
+            <a:pPr algn="ctr"/>
+            <a:endParaRPr lang="zh-TW" altLang="en-US" dirty="0"/>
+          </a:p>
+        </p:txBody>
+      </p:sp>
+      <p:sp>
+        <p:nvSpPr>
+          <p:cNvPr id="14" name="文字方塊 13">
+            <a:extLst>
+              <a:ext uri="{FF2B5EF4-FFF2-40B4-BE49-F238E27FC236}">
+                <a16:creationId xmlns:a16="http://schemas.microsoft.com/office/drawing/2014/main" id="{A7ED25B6-370F-4ACB-8CBD-E1870F514A76}"/>
+              </a:ext>
+            </a:extLst>
+          </p:cNvPr>
+          <p:cNvSpPr txBox="1"/>
+          <p:nvPr/>
+        </p:nvSpPr>
+        <p:spPr>
+          <a:xfrm>
+            <a:off x="1036699" y="1741260"/>
+            <a:ext cx="1900518" cy="3154710"/>
+          </a:xfrm>
+          <a:prstGeom prst="rect">
+            <a:avLst/>
+          </a:prstGeom>
+          <a:noFill/>
+          <a:ln>
+            <a:noFill/>
+          </a:ln>
+        </p:spPr>
+        <p:txBody>
+          <a:bodyPr wrap="square">
+            <a:spAutoFit/>
+          </a:bodyPr>
+          <a:lstStyle/>
+          <a:p>
+            <a:r>
+              <a:rPr lang="zh-TW" altLang="en-US" sz="19900" b="1" dirty="0">
+                <a:solidFill>
+                  <a:srgbClr val="F7EF66"/>
+                </a:solidFill>
+                <a:latin typeface="華康中明體" panose="02020509000000000000" pitchFamily="49" charset="-120"/>
+                <a:ea typeface="華康中明體" panose="02020509000000000000" pitchFamily="49" charset="-120"/>
+              </a:rPr>
+              <a:t>想</a:t>
+            </a:r>
+          </a:p>
+        </p:txBody>
+      </p:sp>
+      <p:sp>
+        <p:nvSpPr>
+          <p:cNvPr id="15" name="矩形 14">
+            <a:extLst>
+              <a:ext uri="{FF2B5EF4-FFF2-40B4-BE49-F238E27FC236}">
+                <a16:creationId xmlns:a16="http://schemas.microsoft.com/office/drawing/2014/main" id="{9FB86FB4-66A0-4D3B-AEFF-566C2DFE37E8}"/>
+              </a:ext>
+            </a:extLst>
+          </p:cNvPr>
+          <p:cNvSpPr/>
+          <p:nvPr/>
+        </p:nvSpPr>
+        <p:spPr>
+          <a:xfrm>
+            <a:off x="3672390" y="906173"/>
+            <a:ext cx="2527288" cy="2537985"/>
+          </a:xfrm>
+          <a:prstGeom prst="rect">
+            <a:avLst/>
+          </a:prstGeom>
+          <a:solidFill>
+            <a:srgbClr val="002147"/>
+          </a:solidFill>
+          <a:ln>
+            <a:noFill/>
+          </a:ln>
+        </p:spPr>
+        <p:style>
+          <a:lnRef idx="2">
+            <a:schemeClr val="accent1">
+              <a:shade val="50000"/>
+            </a:schemeClr>
+          </a:lnRef>
+          <a:fillRef idx="1">
+            <a:schemeClr val="accent1"/>
+          </a:fillRef>
+          <a:effectRef idx="0">
+            <a:schemeClr val="accent1"/>
+          </a:effectRef>
+          <a:fontRef idx="minor">
+            <a:schemeClr val="lt1"/>
+          </a:fontRef>
+        </p:style>
+        <p:txBody>
+          <a:bodyPr rtlCol="0" anchor="ctr"/>
+          <a:lstStyle/>
+          <a:p>
+            <a:pPr algn="ctr"/>
+            <a:endParaRPr lang="zh-TW" altLang="en-US" dirty="0"/>
+          </a:p>
+        </p:txBody>
+      </p:sp>
+      <p:sp>
+        <p:nvSpPr>
+          <p:cNvPr id="16" name="文字方塊 15">
+            <a:extLst>
+              <a:ext uri="{FF2B5EF4-FFF2-40B4-BE49-F238E27FC236}">
+                <a16:creationId xmlns:a16="http://schemas.microsoft.com/office/drawing/2014/main" id="{59B32F9A-8815-4838-B47C-298DE13AB402}"/>
+              </a:ext>
+            </a:extLst>
+          </p:cNvPr>
+          <p:cNvSpPr txBox="1"/>
+          <p:nvPr/>
+        </p:nvSpPr>
+        <p:spPr>
+          <a:xfrm>
+            <a:off x="3568616" y="491498"/>
+            <a:ext cx="1900518" cy="3154710"/>
+          </a:xfrm>
+          <a:prstGeom prst="rect">
+            <a:avLst/>
+          </a:prstGeom>
+          <a:noFill/>
+          <a:ln>
+            <a:noFill/>
+          </a:ln>
+        </p:spPr>
+        <p:txBody>
+          <a:bodyPr wrap="square">
+            <a:spAutoFit/>
+          </a:bodyPr>
+          <a:lstStyle/>
+          <a:p>
+            <a:r>
+              <a:rPr lang="zh-TW" altLang="en-US" sz="19900" b="1" dirty="0">
+                <a:solidFill>
+                  <a:schemeClr val="bg1"/>
+                </a:solidFill>
+                <a:latin typeface="華康中明體" panose="02020509000000000000" pitchFamily="49" charset="-120"/>
+                <a:ea typeface="華康中明體" panose="02020509000000000000" pitchFamily="49" charset="-120"/>
+              </a:rPr>
+              <a:t>東</a:t>
+            </a:r>
+          </a:p>
+        </p:txBody>
+      </p:sp>
+      <p:sp>
+        <p:nvSpPr>
+          <p:cNvPr id="17" name="矩形 16">
+            <a:extLst>
+              <a:ext uri="{FF2B5EF4-FFF2-40B4-BE49-F238E27FC236}">
+                <a16:creationId xmlns:a16="http://schemas.microsoft.com/office/drawing/2014/main" id="{C958B80A-7CA2-4FB5-B95D-2C1A567496AC}"/>
+              </a:ext>
+            </a:extLst>
+          </p:cNvPr>
+          <p:cNvSpPr/>
+          <p:nvPr/>
+        </p:nvSpPr>
+        <p:spPr>
+          <a:xfrm>
+            <a:off x="6194941" y="2157024"/>
+            <a:ext cx="2527288" cy="2537985"/>
+          </a:xfrm>
+          <a:prstGeom prst="rect">
+            <a:avLst/>
+          </a:prstGeom>
+          <a:solidFill>
+            <a:srgbClr val="002147"/>
+          </a:solidFill>
+          <a:ln>
+            <a:noFill/>
+          </a:ln>
+        </p:spPr>
+        <p:style>
+          <a:lnRef idx="2">
+            <a:schemeClr val="accent1">
+              <a:shade val="50000"/>
+            </a:schemeClr>
+          </a:lnRef>
+          <a:fillRef idx="1">
+            <a:schemeClr val="accent1"/>
+          </a:fillRef>
+          <a:effectRef idx="0">
+            <a:schemeClr val="accent1"/>
+          </a:effectRef>
+          <a:fontRef idx="minor">
+            <a:schemeClr val="lt1"/>
+          </a:fontRef>
+        </p:style>
+        <p:txBody>
+          <a:bodyPr rtlCol="0" anchor="ctr"/>
+          <a:lstStyle/>
+          <a:p>
+            <a:pPr algn="ctr"/>
+            <a:endParaRPr lang="zh-TW" altLang="en-US" dirty="0"/>
+          </a:p>
+        </p:txBody>
+      </p:sp>
+      <p:sp>
+        <p:nvSpPr>
+          <p:cNvPr id="18" name="文字方塊 17">
+            <a:extLst>
+              <a:ext uri="{FF2B5EF4-FFF2-40B4-BE49-F238E27FC236}">
+                <a16:creationId xmlns:a16="http://schemas.microsoft.com/office/drawing/2014/main" id="{26377C94-81C0-430D-8A43-475A60B9209D}"/>
+              </a:ext>
+            </a:extLst>
+          </p:cNvPr>
+          <p:cNvSpPr txBox="1"/>
+          <p:nvPr/>
+        </p:nvSpPr>
+        <p:spPr>
+          <a:xfrm>
+            <a:off x="6091167" y="1742349"/>
+            <a:ext cx="1900518" cy="3154710"/>
+          </a:xfrm>
+          <a:prstGeom prst="rect">
+            <a:avLst/>
+          </a:prstGeom>
+          <a:noFill/>
+          <a:ln>
+            <a:noFill/>
+          </a:ln>
+        </p:spPr>
+        <p:txBody>
+          <a:bodyPr wrap="square">
+            <a:spAutoFit/>
+          </a:bodyPr>
+          <a:lstStyle/>
+          <a:p>
+            <a:r>
+              <a:rPr lang="zh-TW" altLang="en-US" sz="19900" b="1" dirty="0">
+                <a:solidFill>
+                  <a:srgbClr val="F7EF66"/>
+                </a:solidFill>
+                <a:latin typeface="華康中明體" panose="02020509000000000000" pitchFamily="49" charset="-120"/>
+                <a:ea typeface="華康中明體" panose="02020509000000000000" pitchFamily="49" charset="-120"/>
+              </a:rPr>
+              <a:t>想</a:t>
+            </a:r>
+          </a:p>
+        </p:txBody>
+      </p:sp>
+      <p:sp>
+        <p:nvSpPr>
+          <p:cNvPr id="19" name="矩形 18">
+            <a:extLst>
+              <a:ext uri="{FF2B5EF4-FFF2-40B4-BE49-F238E27FC236}">
+                <a16:creationId xmlns:a16="http://schemas.microsoft.com/office/drawing/2014/main" id="{886227B5-C141-405F-A9EB-6635A6AA1E9F}"/>
+              </a:ext>
+            </a:extLst>
+          </p:cNvPr>
+          <p:cNvSpPr/>
+          <p:nvPr/>
+        </p:nvSpPr>
+        <p:spPr>
+          <a:xfrm>
+            <a:off x="8716698" y="897102"/>
+            <a:ext cx="2527288" cy="2537985"/>
+          </a:xfrm>
+          <a:prstGeom prst="rect">
+            <a:avLst/>
+          </a:prstGeom>
+          <a:solidFill>
+            <a:srgbClr val="002147"/>
+          </a:solidFill>
+          <a:ln>
+            <a:noFill/>
+          </a:ln>
+        </p:spPr>
+        <p:style>
+          <a:lnRef idx="2">
+            <a:schemeClr val="accent1">
+              <a:shade val="50000"/>
+            </a:schemeClr>
+          </a:lnRef>
+          <a:fillRef idx="1">
+            <a:schemeClr val="accent1"/>
+          </a:fillRef>
+          <a:effectRef idx="0">
+            <a:schemeClr val="accent1"/>
+          </a:effectRef>
+          <a:fontRef idx="minor">
+            <a:schemeClr val="lt1"/>
+          </a:fontRef>
+        </p:style>
+        <p:txBody>
+          <a:bodyPr rtlCol="0" anchor="ctr"/>
+          <a:lstStyle/>
+          <a:p>
+            <a:pPr algn="ctr"/>
+            <a:endParaRPr lang="zh-TW" altLang="en-US" dirty="0"/>
+          </a:p>
+        </p:txBody>
+      </p:sp>
+      <p:sp>
+        <p:nvSpPr>
+          <p:cNvPr id="20" name="文字方塊 19">
+            <a:extLst>
+              <a:ext uri="{FF2B5EF4-FFF2-40B4-BE49-F238E27FC236}">
+                <a16:creationId xmlns:a16="http://schemas.microsoft.com/office/drawing/2014/main" id="{E74309FE-DA04-42FA-B3BA-C4004C14FF26}"/>
+              </a:ext>
+            </a:extLst>
+          </p:cNvPr>
+          <p:cNvSpPr txBox="1"/>
+          <p:nvPr/>
+        </p:nvSpPr>
+        <p:spPr>
+          <a:xfrm>
+            <a:off x="8612924" y="411307"/>
+            <a:ext cx="1900518" cy="3154710"/>
+          </a:xfrm>
+          <a:prstGeom prst="rect">
+            <a:avLst/>
+          </a:prstGeom>
+          <a:noFill/>
+          <a:ln>
+            <a:noFill/>
+          </a:ln>
+        </p:spPr>
+        <p:txBody>
+          <a:bodyPr wrap="square">
+            <a:spAutoFit/>
+          </a:bodyPr>
+          <a:lstStyle/>
+          <a:p>
+            <a:r>
+              <a:rPr lang="zh-TW" altLang="en-US" sz="19900" b="1" dirty="0">
+                <a:solidFill>
+                  <a:schemeClr val="bg1"/>
+                </a:solidFill>
+                <a:latin typeface="華康中明體" panose="02020509000000000000" pitchFamily="49" charset="-120"/>
+                <a:ea typeface="華康中明體" panose="02020509000000000000" pitchFamily="49" charset="-120"/>
+              </a:rPr>
+              <a:t>西</a:t>
+            </a:r>
+          </a:p>
+        </p:txBody>
+      </p:sp>
+    </p:spTree>
+    <p:extLst>
+      <p:ext uri="{BB962C8B-B14F-4D97-AF65-F5344CB8AC3E}">
+        <p14:creationId xmlns:p14="http://schemas.microsoft.com/office/powerpoint/2010/main" val="2163813228"/>
+      </p:ext>
+    </p:extLst>
+  </p:cSld>
+  <p:clrMapOvr>
+    <a:masterClrMapping/>
+  </p:clrMapOvr>
+</p:sld>
+</file>
+
+<file path=ppt/slides/slide3.xml><?xml version="1.0" encoding="utf-8"?>
+<p:sld xmlns:a="http://schemas.openxmlformats.org/drawingml/2006/main" xmlns:r="http://schemas.openxmlformats.org/officeDocument/2006/relationships" xmlns:p="http://schemas.openxmlformats.org/presentationml/2006/main">
+  <p:cSld>
+    <p:spTree>
+      <p:nvGrpSpPr>
+        <p:cNvPr id="1" name=""/>
+        <p:cNvGrpSpPr/>
+        <p:nvPr/>
+      </p:nvGrpSpPr>
+      <p:grpSpPr>
+        <a:xfrm>
+          <a:off x="0" y="0"/>
+          <a:ext cx="0" cy="0"/>
+          <a:chOff x="0" y="0"/>
+          <a:chExt cx="0" cy="0"/>
+        </a:xfrm>
+      </p:grpSpPr>
+      <p:sp>
+        <p:nvSpPr>
+          <p:cNvPr id="2" name="矩形 1">
+            <a:extLst>
+              <a:ext uri="{FF2B5EF4-FFF2-40B4-BE49-F238E27FC236}">
+                <a16:creationId xmlns:a16="http://schemas.microsoft.com/office/drawing/2014/main" id="{F2DD02EE-2451-4C81-ADC2-DC39DCD33EC6}"/>
+              </a:ext>
+            </a:extLst>
+          </p:cNvPr>
+          <p:cNvSpPr/>
+          <p:nvPr/>
+        </p:nvSpPr>
+        <p:spPr>
+          <a:xfrm>
+            <a:off x="1149265" y="2164727"/>
+            <a:ext cx="2527288" cy="2537985"/>
+          </a:xfrm>
+          <a:prstGeom prst="rect">
+            <a:avLst/>
+          </a:prstGeom>
+          <a:solidFill>
+            <a:srgbClr val="002147"/>
+          </a:solidFill>
+          <a:ln>
+            <a:noFill/>
+          </a:ln>
+        </p:spPr>
+        <p:style>
+          <a:lnRef idx="2">
+            <a:schemeClr val="accent1">
+              <a:shade val="50000"/>
+            </a:schemeClr>
+          </a:lnRef>
+          <a:fillRef idx="1">
+            <a:schemeClr val="accent1"/>
+          </a:fillRef>
+          <a:effectRef idx="0">
+            <a:schemeClr val="accent1"/>
+          </a:effectRef>
+          <a:fontRef idx="minor">
+            <a:schemeClr val="lt1"/>
+          </a:fontRef>
+        </p:style>
+        <p:txBody>
+          <a:bodyPr rtlCol="0" anchor="ctr"/>
+          <a:lstStyle/>
+          <a:p>
+            <a:pPr algn="ctr"/>
+            <a:endParaRPr lang="zh-TW" altLang="en-US" dirty="0"/>
+          </a:p>
+        </p:txBody>
+      </p:sp>
+      <p:sp>
+        <p:nvSpPr>
+          <p:cNvPr id="3" name="文字方塊 2">
+            <a:extLst>
+              <a:ext uri="{FF2B5EF4-FFF2-40B4-BE49-F238E27FC236}">
+                <a16:creationId xmlns:a16="http://schemas.microsoft.com/office/drawing/2014/main" id="{FAD85D2A-1B96-42B1-9A9B-286B2CDC8E48}"/>
+              </a:ext>
+            </a:extLst>
+          </p:cNvPr>
+          <p:cNvSpPr txBox="1"/>
+          <p:nvPr/>
+        </p:nvSpPr>
+        <p:spPr>
+          <a:xfrm>
+            <a:off x="1045491" y="1750052"/>
+            <a:ext cx="1900518" cy="3154710"/>
+          </a:xfrm>
+          <a:prstGeom prst="rect">
+            <a:avLst/>
+          </a:prstGeom>
+          <a:noFill/>
+          <a:ln>
+            <a:noFill/>
+          </a:ln>
+        </p:spPr>
+        <p:txBody>
+          <a:bodyPr wrap="square">
+            <a:spAutoFit/>
+          </a:bodyPr>
+          <a:lstStyle/>
+          <a:p>
+            <a:r>
+              <a:rPr lang="zh-TW" altLang="en-US" sz="19900" b="1" dirty="0">
+                <a:solidFill>
+                  <a:schemeClr val="bg1"/>
+                </a:solidFill>
+                <a:latin typeface="華康中明體" panose="02020509000000000000" pitchFamily="49" charset="-120"/>
+                <a:ea typeface="華康中明體" panose="02020509000000000000" pitchFamily="49" charset="-120"/>
+              </a:rPr>
+              <a:t>想</a:t>
+            </a:r>
+          </a:p>
+        </p:txBody>
+      </p:sp>
+      <p:sp>
+        <p:nvSpPr>
+          <p:cNvPr id="4" name="矩形 3">
+            <a:extLst>
+              <a:ext uri="{FF2B5EF4-FFF2-40B4-BE49-F238E27FC236}">
+                <a16:creationId xmlns:a16="http://schemas.microsoft.com/office/drawing/2014/main" id="{B1396F46-3D82-4733-B15E-8509C564BCC9}"/>
+              </a:ext>
+            </a:extLst>
+          </p:cNvPr>
+          <p:cNvSpPr/>
+          <p:nvPr/>
+        </p:nvSpPr>
+        <p:spPr>
+          <a:xfrm>
+            <a:off x="3672390" y="2166013"/>
+            <a:ext cx="2527288" cy="2537985"/>
+          </a:xfrm>
+          <a:prstGeom prst="rect">
+            <a:avLst/>
+          </a:prstGeom>
+          <a:solidFill>
+            <a:srgbClr val="002147"/>
+          </a:solidFill>
+          <a:ln>
+            <a:noFill/>
+          </a:ln>
+        </p:spPr>
+        <p:style>
+          <a:lnRef idx="2">
+            <a:schemeClr val="accent1">
+              <a:shade val="50000"/>
+            </a:schemeClr>
+          </a:lnRef>
+          <a:fillRef idx="1">
+            <a:schemeClr val="accent1"/>
+          </a:fillRef>
+          <a:effectRef idx="0">
+            <a:schemeClr val="accent1"/>
+          </a:effectRef>
+          <a:fontRef idx="minor">
+            <a:schemeClr val="lt1"/>
+          </a:fontRef>
+        </p:style>
+        <p:txBody>
+          <a:bodyPr rtlCol="0" anchor="ctr"/>
+          <a:lstStyle/>
+          <a:p>
+            <a:pPr algn="ctr"/>
+            <a:endParaRPr lang="zh-TW" altLang="en-US" dirty="0"/>
+          </a:p>
+        </p:txBody>
+      </p:sp>
+      <p:sp>
+        <p:nvSpPr>
+          <p:cNvPr id="5" name="文字方塊 4">
+            <a:extLst>
+              <a:ext uri="{FF2B5EF4-FFF2-40B4-BE49-F238E27FC236}">
+                <a16:creationId xmlns:a16="http://schemas.microsoft.com/office/drawing/2014/main" id="{846B3B5F-65F0-44F1-95B1-B823E3EA580B}"/>
+              </a:ext>
+            </a:extLst>
+          </p:cNvPr>
+          <p:cNvSpPr txBox="1"/>
+          <p:nvPr/>
+        </p:nvSpPr>
+        <p:spPr>
+          <a:xfrm>
+            <a:off x="3568616" y="1751338"/>
+            <a:ext cx="1900518" cy="3154710"/>
+          </a:xfrm>
+          <a:prstGeom prst="rect">
+            <a:avLst/>
+          </a:prstGeom>
+          <a:noFill/>
+          <a:ln>
+            <a:noFill/>
+          </a:ln>
+        </p:spPr>
+        <p:txBody>
+          <a:bodyPr wrap="square">
+            <a:spAutoFit/>
+          </a:bodyPr>
+          <a:lstStyle/>
+          <a:p>
+            <a:r>
+              <a:rPr lang="zh-TW" altLang="en-US" sz="19900" b="1" dirty="0">
+                <a:solidFill>
+                  <a:schemeClr val="bg1"/>
+                </a:solidFill>
+                <a:latin typeface="華康中明體" panose="02020509000000000000" pitchFamily="49" charset="-120"/>
+                <a:ea typeface="華康中明體" panose="02020509000000000000" pitchFamily="49" charset="-120"/>
+              </a:rPr>
+              <a:t>東</a:t>
+            </a:r>
+          </a:p>
+        </p:txBody>
+      </p:sp>
+      <p:sp>
+        <p:nvSpPr>
+          <p:cNvPr id="6" name="矩形 5">
+            <a:extLst>
+              <a:ext uri="{FF2B5EF4-FFF2-40B4-BE49-F238E27FC236}">
+                <a16:creationId xmlns:a16="http://schemas.microsoft.com/office/drawing/2014/main" id="{F7A5B38C-FA2D-469C-9C99-52DB95164175}"/>
+              </a:ext>
+            </a:extLst>
+          </p:cNvPr>
+          <p:cNvSpPr/>
+          <p:nvPr/>
+        </p:nvSpPr>
+        <p:spPr>
+          <a:xfrm>
+            <a:off x="6194941" y="2167184"/>
+            <a:ext cx="2527288" cy="2537985"/>
+          </a:xfrm>
+          <a:prstGeom prst="rect">
+            <a:avLst/>
+          </a:prstGeom>
+          <a:solidFill>
+            <a:srgbClr val="002147"/>
+          </a:solidFill>
+          <a:ln>
+            <a:noFill/>
+          </a:ln>
+        </p:spPr>
+        <p:style>
+          <a:lnRef idx="2">
+            <a:schemeClr val="accent1">
+              <a:shade val="50000"/>
+            </a:schemeClr>
+          </a:lnRef>
+          <a:fillRef idx="1">
+            <a:schemeClr val="accent1"/>
+          </a:fillRef>
+          <a:effectRef idx="0">
+            <a:schemeClr val="accent1"/>
+          </a:effectRef>
+          <a:fontRef idx="minor">
+            <a:schemeClr val="lt1"/>
+          </a:fontRef>
+        </p:style>
+        <p:txBody>
+          <a:bodyPr rtlCol="0" anchor="ctr"/>
+          <a:lstStyle/>
+          <a:p>
+            <a:pPr algn="ctr"/>
+            <a:endParaRPr lang="zh-TW" altLang="en-US" dirty="0"/>
+          </a:p>
+        </p:txBody>
+      </p:sp>
+      <p:sp>
+        <p:nvSpPr>
+          <p:cNvPr id="7" name="文字方塊 6">
+            <a:extLst>
+              <a:ext uri="{FF2B5EF4-FFF2-40B4-BE49-F238E27FC236}">
+                <a16:creationId xmlns:a16="http://schemas.microsoft.com/office/drawing/2014/main" id="{2B558D67-79DC-4531-958D-4AF35B13171C}"/>
+              </a:ext>
+            </a:extLst>
+          </p:cNvPr>
+          <p:cNvSpPr txBox="1"/>
+          <p:nvPr/>
+        </p:nvSpPr>
+        <p:spPr>
+          <a:xfrm>
+            <a:off x="6091167" y="1752509"/>
+            <a:ext cx="1900518" cy="3154710"/>
+          </a:xfrm>
+          <a:prstGeom prst="rect">
+            <a:avLst/>
+          </a:prstGeom>
+          <a:noFill/>
+          <a:ln>
+            <a:noFill/>
+          </a:ln>
+        </p:spPr>
+        <p:txBody>
+          <a:bodyPr wrap="square">
+            <a:spAutoFit/>
+          </a:bodyPr>
+          <a:lstStyle/>
+          <a:p>
+            <a:r>
+              <a:rPr lang="zh-TW" altLang="en-US" sz="19900" b="1" dirty="0">
+                <a:solidFill>
+                  <a:schemeClr val="bg1"/>
+                </a:solidFill>
+                <a:latin typeface="華康中明體" panose="02020509000000000000" pitchFamily="49" charset="-120"/>
+                <a:ea typeface="華康中明體" panose="02020509000000000000" pitchFamily="49" charset="-120"/>
+              </a:rPr>
+              <a:t>想</a:t>
+            </a:r>
+          </a:p>
+        </p:txBody>
+      </p:sp>
+      <p:sp>
+        <p:nvSpPr>
+          <p:cNvPr id="8" name="矩形 7">
+            <a:extLst>
+              <a:ext uri="{FF2B5EF4-FFF2-40B4-BE49-F238E27FC236}">
+                <a16:creationId xmlns:a16="http://schemas.microsoft.com/office/drawing/2014/main" id="{DD6FD09C-BBBF-4F0E-8071-EA20130A78CD}"/>
+              </a:ext>
+            </a:extLst>
+          </p:cNvPr>
+          <p:cNvSpPr/>
+          <p:nvPr/>
+        </p:nvSpPr>
+        <p:spPr>
+          <a:xfrm>
+            <a:off x="8716698" y="2167102"/>
+            <a:ext cx="2527288" cy="2537985"/>
+          </a:xfrm>
+          <a:prstGeom prst="rect">
+            <a:avLst/>
+          </a:prstGeom>
+          <a:solidFill>
+            <a:srgbClr val="002147"/>
+          </a:solidFill>
+          <a:ln>
+            <a:noFill/>
+          </a:ln>
+        </p:spPr>
+        <p:style>
+          <a:lnRef idx="2">
+            <a:schemeClr val="accent1">
+              <a:shade val="50000"/>
+            </a:schemeClr>
+          </a:lnRef>
+          <a:fillRef idx="1">
+            <a:schemeClr val="accent1"/>
+          </a:fillRef>
+          <a:effectRef idx="0">
+            <a:schemeClr val="accent1"/>
+          </a:effectRef>
+          <a:fontRef idx="minor">
+            <a:schemeClr val="lt1"/>
+          </a:fontRef>
+        </p:style>
+        <p:txBody>
+          <a:bodyPr rtlCol="0" anchor="ctr"/>
+          <a:lstStyle/>
+          <a:p>
+            <a:pPr algn="ctr"/>
+            <a:endParaRPr lang="zh-TW" altLang="en-US" dirty="0"/>
+          </a:p>
+        </p:txBody>
+      </p:sp>
+      <p:sp>
+        <p:nvSpPr>
+          <p:cNvPr id="9" name="文字方塊 8">
+            <a:extLst>
+              <a:ext uri="{FF2B5EF4-FFF2-40B4-BE49-F238E27FC236}">
+                <a16:creationId xmlns:a16="http://schemas.microsoft.com/office/drawing/2014/main" id="{5FD1DE9A-5441-488D-9136-7B087FD35551}"/>
+              </a:ext>
+            </a:extLst>
+          </p:cNvPr>
+          <p:cNvSpPr txBox="1"/>
+          <p:nvPr/>
+        </p:nvSpPr>
+        <p:spPr>
+          <a:xfrm>
+            <a:off x="8612924" y="1681307"/>
+            <a:ext cx="1900518" cy="3154710"/>
+          </a:xfrm>
+          <a:prstGeom prst="rect">
+            <a:avLst/>
+          </a:prstGeom>
+          <a:noFill/>
+          <a:ln>
+            <a:noFill/>
+          </a:ln>
+        </p:spPr>
+        <p:txBody>
+          <a:bodyPr wrap="square">
+            <a:spAutoFit/>
+          </a:bodyPr>
+          <a:lstStyle/>
+          <a:p>
+            <a:r>
+              <a:rPr lang="zh-TW" altLang="en-US" sz="19900" b="1" dirty="0">
+                <a:solidFill>
+                  <a:schemeClr val="bg1"/>
+                </a:solidFill>
+                <a:latin typeface="華康中明體" panose="02020509000000000000" pitchFamily="49" charset="-120"/>
+                <a:ea typeface="華康中明體" panose="02020509000000000000" pitchFamily="49" charset="-120"/>
+              </a:rPr>
+              <a:t>西</a:t>
+            </a:r>
+          </a:p>
+        </p:txBody>
+      </p:sp>
+    </p:spTree>
+    <p:extLst>
+      <p:ext uri="{BB962C8B-B14F-4D97-AF65-F5344CB8AC3E}">
+        <p14:creationId xmlns:p14="http://schemas.microsoft.com/office/powerpoint/2010/main" val="54461461"/>
       </p:ext>
     </p:extLst>
   </p:cSld>
